--- a/Task/Practical-Task.pptx
+++ b/Task/Practical-Task.pptx
@@ -202,7 +202,7 @@
           <a:p>
             <a:fld id="{E49DE6DC-F49F-453F-A83F-DB323892686C}" type="datetimeFigureOut">
               <a:rPr lang="ru-RU"/>
-              <a:t>31.03.2016</a:t>
+              <a:t>24.04.2016</a:t>
             </a:fld>
             <a:endParaRPr lang="ru-RU"/>
           </a:p>
@@ -360,7 +360,7 @@
           <a:p>
             <a:fld id="{8AD39E68-1255-4D11-A624-1AA58F823CEB}" type="slidenum">
               <a:rPr lang="ru-RU"/>
-              <a:t>‹#›</a:t>
+              <a:t>‹№›</a:t>
             </a:fld>
             <a:endParaRPr lang="ru-RU"/>
           </a:p>
@@ -1104,7 +1104,7 @@
           <a:p>
             <a:fld id="{F2FFB779-270B-4192-84BA-A697F48306DC}" type="datetimeFigureOut">
               <a:rPr lang="ru-RU" smtClean="0"/>
-              <a:t>31.03.2016</a:t>
+              <a:t>24.04.2016</a:t>
             </a:fld>
             <a:endParaRPr lang="ru-RU"/>
           </a:p>
@@ -1146,7 +1146,7 @@
           <a:p>
             <a:fld id="{285DC19C-03DA-4066-9FF7-D0BF1BC6D6F6}" type="slidenum">
               <a:rPr lang="ru-RU" smtClean="0"/>
-              <a:t>‹#›</a:t>
+              <a:t>‹№›</a:t>
             </a:fld>
             <a:endParaRPr lang="ru-RU"/>
           </a:p>
@@ -1274,7 +1274,7 @@
           <a:p>
             <a:fld id="{F2FFB779-270B-4192-84BA-A697F48306DC}" type="datetimeFigureOut">
               <a:rPr lang="ru-RU" smtClean="0"/>
-              <a:t>31.03.2016</a:t>
+              <a:t>24.04.2016</a:t>
             </a:fld>
             <a:endParaRPr lang="ru-RU"/>
           </a:p>
@@ -1316,7 +1316,7 @@
           <a:p>
             <a:fld id="{285DC19C-03DA-4066-9FF7-D0BF1BC6D6F6}" type="slidenum">
               <a:rPr lang="ru-RU" smtClean="0"/>
-              <a:t>‹#›</a:t>
+              <a:t>‹№›</a:t>
             </a:fld>
             <a:endParaRPr lang="ru-RU"/>
           </a:p>
@@ -1454,7 +1454,7 @@
           <a:p>
             <a:fld id="{F2FFB779-270B-4192-84BA-A697F48306DC}" type="datetimeFigureOut">
               <a:rPr lang="ru-RU" smtClean="0"/>
-              <a:t>31.03.2016</a:t>
+              <a:t>24.04.2016</a:t>
             </a:fld>
             <a:endParaRPr lang="ru-RU"/>
           </a:p>
@@ -1496,7 +1496,7 @@
           <a:p>
             <a:fld id="{285DC19C-03DA-4066-9FF7-D0BF1BC6D6F6}" type="slidenum">
               <a:rPr lang="ru-RU" smtClean="0"/>
-              <a:t>‹#›</a:t>
+              <a:t>‹№›</a:t>
             </a:fld>
             <a:endParaRPr lang="ru-RU"/>
           </a:p>
@@ -1624,7 +1624,7 @@
           <a:p>
             <a:fld id="{F2FFB779-270B-4192-84BA-A697F48306DC}" type="datetimeFigureOut">
               <a:rPr lang="ru-RU" smtClean="0"/>
-              <a:t>31.03.2016</a:t>
+              <a:t>24.04.2016</a:t>
             </a:fld>
             <a:endParaRPr lang="ru-RU"/>
           </a:p>
@@ -1666,7 +1666,7 @@
           <a:p>
             <a:fld id="{285DC19C-03DA-4066-9FF7-D0BF1BC6D6F6}" type="slidenum">
               <a:rPr lang="ru-RU" smtClean="0"/>
-              <a:t>‹#›</a:t>
+              <a:t>‹№›</a:t>
             </a:fld>
             <a:endParaRPr lang="ru-RU"/>
           </a:p>
@@ -1870,7 +1870,7 @@
           <a:p>
             <a:fld id="{F2FFB779-270B-4192-84BA-A697F48306DC}" type="datetimeFigureOut">
               <a:rPr lang="ru-RU" smtClean="0"/>
-              <a:t>31.03.2016</a:t>
+              <a:t>24.04.2016</a:t>
             </a:fld>
             <a:endParaRPr lang="ru-RU"/>
           </a:p>
@@ -1912,7 +1912,7 @@
           <a:p>
             <a:fld id="{285DC19C-03DA-4066-9FF7-D0BF1BC6D6F6}" type="slidenum">
               <a:rPr lang="ru-RU" smtClean="0"/>
-              <a:t>‹#›</a:t>
+              <a:t>‹№›</a:t>
             </a:fld>
             <a:endParaRPr lang="ru-RU"/>
           </a:p>
@@ -2102,7 +2102,7 @@
           <a:p>
             <a:fld id="{F2FFB779-270B-4192-84BA-A697F48306DC}" type="datetimeFigureOut">
               <a:rPr lang="ru-RU" smtClean="0"/>
-              <a:t>31.03.2016</a:t>
+              <a:t>24.04.2016</a:t>
             </a:fld>
             <a:endParaRPr lang="ru-RU"/>
           </a:p>
@@ -2144,7 +2144,7 @@
           <a:p>
             <a:fld id="{285DC19C-03DA-4066-9FF7-D0BF1BC6D6F6}" type="slidenum">
               <a:rPr lang="ru-RU" smtClean="0"/>
-              <a:t>‹#›</a:t>
+              <a:t>‹№›</a:t>
             </a:fld>
             <a:endParaRPr lang="ru-RU"/>
           </a:p>
@@ -2469,7 +2469,7 @@
           <a:p>
             <a:fld id="{F2FFB779-270B-4192-84BA-A697F48306DC}" type="datetimeFigureOut">
               <a:rPr lang="ru-RU" smtClean="0"/>
-              <a:t>31.03.2016</a:t>
+              <a:t>24.04.2016</a:t>
             </a:fld>
             <a:endParaRPr lang="ru-RU"/>
           </a:p>
@@ -2511,7 +2511,7 @@
           <a:p>
             <a:fld id="{285DC19C-03DA-4066-9FF7-D0BF1BC6D6F6}" type="slidenum">
               <a:rPr lang="ru-RU" smtClean="0"/>
-              <a:t>‹#›</a:t>
+              <a:t>‹№›</a:t>
             </a:fld>
             <a:endParaRPr lang="ru-RU"/>
           </a:p>
@@ -2587,7 +2587,7 @@
           <a:p>
             <a:fld id="{F2FFB779-270B-4192-84BA-A697F48306DC}" type="datetimeFigureOut">
               <a:rPr lang="ru-RU" smtClean="0"/>
-              <a:t>31.03.2016</a:t>
+              <a:t>24.04.2016</a:t>
             </a:fld>
             <a:endParaRPr lang="ru-RU"/>
           </a:p>
@@ -2629,7 +2629,7 @@
           <a:p>
             <a:fld id="{285DC19C-03DA-4066-9FF7-D0BF1BC6D6F6}" type="slidenum">
               <a:rPr lang="ru-RU" smtClean="0"/>
-              <a:t>‹#›</a:t>
+              <a:t>‹№›</a:t>
             </a:fld>
             <a:endParaRPr lang="ru-RU"/>
           </a:p>
@@ -2682,7 +2682,7 @@
           <a:p>
             <a:fld id="{F2FFB779-270B-4192-84BA-A697F48306DC}" type="datetimeFigureOut">
               <a:rPr lang="ru-RU" smtClean="0"/>
-              <a:t>31.03.2016</a:t>
+              <a:t>24.04.2016</a:t>
             </a:fld>
             <a:endParaRPr lang="ru-RU"/>
           </a:p>
@@ -2724,7 +2724,7 @@
           <a:p>
             <a:fld id="{285DC19C-03DA-4066-9FF7-D0BF1BC6D6F6}" type="slidenum">
               <a:rPr lang="ru-RU" smtClean="0"/>
-              <a:t>‹#›</a:t>
+              <a:t>‹№›</a:t>
             </a:fld>
             <a:endParaRPr lang="ru-RU"/>
           </a:p>
@@ -2959,7 +2959,7 @@
           <a:p>
             <a:fld id="{F2FFB779-270B-4192-84BA-A697F48306DC}" type="datetimeFigureOut">
               <a:rPr lang="ru-RU" smtClean="0"/>
-              <a:t>31.03.2016</a:t>
+              <a:t>24.04.2016</a:t>
             </a:fld>
             <a:endParaRPr lang="ru-RU"/>
           </a:p>
@@ -3001,7 +3001,7 @@
           <a:p>
             <a:fld id="{285DC19C-03DA-4066-9FF7-D0BF1BC6D6F6}" type="slidenum">
               <a:rPr lang="ru-RU" smtClean="0"/>
-              <a:t>‹#›</a:t>
+              <a:t>‹№›</a:t>
             </a:fld>
             <a:endParaRPr lang="ru-RU"/>
           </a:p>
@@ -3212,7 +3212,7 @@
           <a:p>
             <a:fld id="{F2FFB779-270B-4192-84BA-A697F48306DC}" type="datetimeFigureOut">
               <a:rPr lang="ru-RU" smtClean="0"/>
-              <a:t>31.03.2016</a:t>
+              <a:t>24.04.2016</a:t>
             </a:fld>
             <a:endParaRPr lang="ru-RU"/>
           </a:p>
@@ -3254,7 +3254,7 @@
           <a:p>
             <a:fld id="{285DC19C-03DA-4066-9FF7-D0BF1BC6D6F6}" type="slidenum">
               <a:rPr lang="ru-RU" smtClean="0"/>
-              <a:t>‹#›</a:t>
+              <a:t>‹№›</a:t>
             </a:fld>
             <a:endParaRPr lang="ru-RU"/>
           </a:p>
@@ -3425,7 +3425,7 @@
           <a:p>
             <a:fld id="{F2FFB779-270B-4192-84BA-A697F48306DC}" type="datetimeFigureOut">
               <a:rPr lang="ru-RU" smtClean="0"/>
-              <a:t>31.03.2016</a:t>
+              <a:t>24.04.2016</a:t>
             </a:fld>
             <a:endParaRPr lang="ru-RU"/>
           </a:p>
@@ -3503,7 +3503,7 @@
           <a:p>
             <a:fld id="{285DC19C-03DA-4066-9FF7-D0BF1BC6D6F6}" type="slidenum">
               <a:rPr lang="ru-RU" smtClean="0"/>
-              <a:t>‹#›</a:t>
+              <a:t>‹№›</a:t>
             </a:fld>
             <a:endParaRPr lang="ru-RU"/>
           </a:p>
@@ -4479,26 +4479,149 @@
               <a:buNone/>
             </a:pPr>
             <a:r>
-              <a:rPr lang="ru-RU">
+              <a:rPr lang="ru-RU" dirty="0" err="1">
                 <a:latin typeface="Calibri"/>
               </a:rPr>
-              <a:t>Навігація:</a:t>
-            </a:r>
-          </a:p>
-          <a:p>
-            <a:r>
-              <a:rPr lang="ru-RU" sz="1800">
+              <a:t>Навігація</a:t>
+            </a:r>
+            <a:r>
+              <a:rPr lang="ru-RU" dirty="0">
                 <a:latin typeface="Calibri"/>
               </a:rPr>
-              <a:t>перехід між сторінками відбувається по свайпу</a:t>
-            </a:r>
-          </a:p>
-          <a:p>
-            <a:r>
-              <a:rPr lang="ru-RU" sz="1800">
+              <a:t>:</a:t>
+            </a:r>
+          </a:p>
+          <a:p>
+            <a:r>
+              <a:rPr lang="ru-RU" sz="1800" dirty="0" err="1">
                 <a:latin typeface="Calibri"/>
               </a:rPr>
-              <a:t>індикатори, що знаходяться внизу сторінки вказують на те, яка сторінка активна</a:t>
+              <a:t>перехід</a:t>
+            </a:r>
+            <a:r>
+              <a:rPr lang="ru-RU" sz="1800" dirty="0">
+                <a:latin typeface="Calibri"/>
+              </a:rPr>
+              <a:t> </a:t>
+            </a:r>
+            <a:r>
+              <a:rPr lang="ru-RU" sz="1800" dirty="0" err="1">
+                <a:latin typeface="Calibri"/>
+              </a:rPr>
+              <a:t>між</a:t>
+            </a:r>
+            <a:r>
+              <a:rPr lang="ru-RU" sz="1800" dirty="0">
+                <a:latin typeface="Calibri"/>
+              </a:rPr>
+              <a:t> </a:t>
+            </a:r>
+            <a:r>
+              <a:rPr lang="ru-RU" sz="1800" dirty="0" err="1">
+                <a:latin typeface="Calibri"/>
+              </a:rPr>
+              <a:t>сторінками</a:t>
+            </a:r>
+            <a:r>
+              <a:rPr lang="ru-RU" sz="1800" dirty="0">
+                <a:latin typeface="Calibri"/>
+              </a:rPr>
+              <a:t> </a:t>
+            </a:r>
+            <a:r>
+              <a:rPr lang="ru-RU" sz="1800" dirty="0" err="1">
+                <a:latin typeface="Calibri"/>
+              </a:rPr>
+              <a:t>відбувається</a:t>
+            </a:r>
+            <a:r>
+              <a:rPr lang="ru-RU" sz="1800" dirty="0">
+                <a:latin typeface="Calibri"/>
+              </a:rPr>
+              <a:t> по </a:t>
+            </a:r>
+            <a:r>
+              <a:rPr lang="ru-RU" sz="1800" dirty="0" err="1">
+                <a:latin typeface="Calibri"/>
+              </a:rPr>
+              <a:t>свайпу</a:t>
+            </a:r>
+            <a:endParaRPr lang="ru-RU" sz="1800" dirty="0">
+              <a:latin typeface="Calibri"/>
+            </a:endParaRPr>
+          </a:p>
+          <a:p>
+            <a:r>
+              <a:rPr lang="ru-RU" sz="1800" dirty="0" err="1">
+                <a:latin typeface="Calibri"/>
+              </a:rPr>
+              <a:t>індикатори</a:t>
+            </a:r>
+            <a:r>
+              <a:rPr lang="ru-RU" sz="1800" dirty="0">
+                <a:latin typeface="Calibri"/>
+              </a:rPr>
+              <a:t>, </a:t>
+            </a:r>
+            <a:r>
+              <a:rPr lang="ru-RU" sz="1800" dirty="0" err="1">
+                <a:latin typeface="Calibri"/>
+              </a:rPr>
+              <a:t>що</a:t>
+            </a:r>
+            <a:r>
+              <a:rPr lang="ru-RU" sz="1800" dirty="0">
+                <a:latin typeface="Calibri"/>
+              </a:rPr>
+              <a:t> </a:t>
+            </a:r>
+            <a:r>
+              <a:rPr lang="ru-RU" sz="1800" dirty="0" err="1">
+                <a:latin typeface="Calibri"/>
+              </a:rPr>
+              <a:t>знаходяться</a:t>
+            </a:r>
+            <a:r>
+              <a:rPr lang="ru-RU" sz="1800" dirty="0">
+                <a:latin typeface="Calibri"/>
+              </a:rPr>
+              <a:t> внизу </a:t>
+            </a:r>
+            <a:r>
+              <a:rPr lang="ru-RU" sz="1800" dirty="0" err="1">
+                <a:latin typeface="Calibri"/>
+              </a:rPr>
+              <a:t>сторінки</a:t>
+            </a:r>
+            <a:r>
+              <a:rPr lang="ru-RU" sz="1800" dirty="0">
+                <a:latin typeface="Calibri"/>
+              </a:rPr>
+              <a:t> </a:t>
+            </a:r>
+            <a:r>
+              <a:rPr lang="ru-RU" sz="1800" dirty="0" err="1">
+                <a:latin typeface="Calibri"/>
+              </a:rPr>
+              <a:t>вказують</a:t>
+            </a:r>
+            <a:r>
+              <a:rPr lang="ru-RU" sz="1800" dirty="0">
+                <a:latin typeface="Calibri"/>
+              </a:rPr>
+              <a:t> на те, яка </a:t>
+            </a:r>
+            <a:r>
+              <a:rPr lang="ru-RU" sz="1800" dirty="0" err="1">
+                <a:latin typeface="Calibri"/>
+              </a:rPr>
+              <a:t>сторінка</a:t>
+            </a:r>
+            <a:r>
+              <a:rPr lang="ru-RU" sz="1800" dirty="0">
+                <a:latin typeface="Calibri"/>
+              </a:rPr>
+              <a:t> активна</a:t>
             </a:r>
           </a:p>
         </p:txBody>
@@ -4640,20 +4763,122 @@
               <a:buNone/>
             </a:pPr>
             <a:r>
-              <a:rPr lang="ru-RU">
-                <a:latin typeface=""/>
-              </a:rPr>
-              <a:t>Функціональність:</a:t>
-            </a:r>
-          </a:p>
-          <a:p>
-            <a:r>
-              <a:rPr lang="ru-RU" sz="1800">
-                <a:latin typeface=""/>
-              </a:rPr>
-              <a:t>вивести три списки елементів, кожен з яких має скролинг</a:t>
-            </a:r>
-            <a:endParaRPr lang="ru-RU" sz="1800">
+              <a:rPr lang="ru-RU" dirty="0" err="1">
+                <a:latin typeface=""/>
+              </a:rPr>
+              <a:t>Функціональність</a:t>
+            </a:r>
+            <a:r>
+              <a:rPr lang="ru-RU" dirty="0">
+                <a:latin typeface=""/>
+              </a:rPr>
+              <a:t>:</a:t>
+            </a:r>
+          </a:p>
+          <a:p>
+            <a:r>
+              <a:rPr lang="ru-RU" sz="1800" dirty="0" err="1">
+                <a:solidFill>
+                  <a:srgbClr val="FF0000"/>
+                </a:solidFill>
+                <a:latin typeface=""/>
+              </a:rPr>
+              <a:t>вивести</a:t>
+            </a:r>
+            <a:r>
+              <a:rPr lang="ru-RU" sz="1800" dirty="0">
+                <a:solidFill>
+                  <a:srgbClr val="FF0000"/>
+                </a:solidFill>
+                <a:latin typeface=""/>
+              </a:rPr>
+              <a:t> три списки </a:t>
+            </a:r>
+            <a:r>
+              <a:rPr lang="ru-RU" sz="1800" dirty="0" err="1">
+                <a:solidFill>
+                  <a:srgbClr val="FF0000"/>
+                </a:solidFill>
+                <a:latin typeface=""/>
+              </a:rPr>
+              <a:t>елементів</a:t>
+            </a:r>
+            <a:r>
+              <a:rPr lang="ru-RU" sz="1800" dirty="0">
+                <a:solidFill>
+                  <a:srgbClr val="FF0000"/>
+                </a:solidFill>
+                <a:latin typeface=""/>
+              </a:rPr>
+              <a:t>, </a:t>
+            </a:r>
+            <a:r>
+              <a:rPr lang="ru-RU" sz="1800" dirty="0" err="1">
+                <a:solidFill>
+                  <a:srgbClr val="FF0000"/>
+                </a:solidFill>
+                <a:latin typeface=""/>
+              </a:rPr>
+              <a:t>кожен</a:t>
+            </a:r>
+            <a:r>
+              <a:rPr lang="ru-RU" sz="1800" dirty="0">
+                <a:solidFill>
+                  <a:srgbClr val="FF0000"/>
+                </a:solidFill>
+                <a:latin typeface=""/>
+              </a:rPr>
+              <a:t> з </a:t>
+            </a:r>
+            <a:r>
+              <a:rPr lang="ru-RU" sz="1800" dirty="0" err="1">
+                <a:solidFill>
+                  <a:srgbClr val="FF0000"/>
+                </a:solidFill>
+                <a:latin typeface=""/>
+              </a:rPr>
+              <a:t>яких</a:t>
+            </a:r>
+            <a:r>
+              <a:rPr lang="ru-RU" sz="1800" dirty="0">
+                <a:solidFill>
+                  <a:srgbClr val="FF0000"/>
+                </a:solidFill>
+                <a:latin typeface=""/>
+              </a:rPr>
+              <a:t> </a:t>
+            </a:r>
+            <a:r>
+              <a:rPr lang="ru-RU" sz="1800" dirty="0" err="1">
+                <a:solidFill>
+                  <a:srgbClr val="FF0000"/>
+                </a:solidFill>
+                <a:latin typeface=""/>
+              </a:rPr>
+              <a:t>має</a:t>
+            </a:r>
+            <a:r>
+              <a:rPr lang="ru-RU" sz="1800" dirty="0">
+                <a:solidFill>
+                  <a:srgbClr val="FF0000"/>
+                </a:solidFill>
+                <a:latin typeface=""/>
+              </a:rPr>
+              <a:t> </a:t>
+            </a:r>
+            <a:r>
+              <a:rPr lang="ru-RU" sz="1800" dirty="0" err="1">
+                <a:solidFill>
+                  <a:srgbClr val="FF0000"/>
+                </a:solidFill>
+                <a:latin typeface=""/>
+              </a:rPr>
+              <a:t>скролинг</a:t>
+            </a:r>
+            <a:endParaRPr lang="ru-RU" sz="1800" dirty="0">
+              <a:solidFill>
+                <a:srgbClr val="FF0000"/>
+              </a:solidFill>
               <a:latin typeface="Calibri"/>
             </a:endParaRPr>
           </a:p>
@@ -4905,54 +5130,537 @@
               <a:buNone/>
             </a:pPr>
             <a:r>
-              <a:rPr lang="ru-RU">
-                <a:latin typeface=""/>
-              </a:rPr>
-              <a:t>Функціональність:</a:t>
-            </a:r>
-          </a:p>
-          <a:p>
-            <a:r>
-              <a:rPr lang="ru-RU" sz="1800">
-                <a:latin typeface=""/>
-              </a:rPr>
-              <a:t>користувач може ввести своє ім'я, e-mail та повідомлення</a:t>
-            </a:r>
-          </a:p>
-          <a:p>
-            <a:r>
-              <a:rPr lang="ru-RU" sz="1800">
-                <a:latin typeface=""/>
-              </a:rPr>
-              <a:t>всі вибрані елементи з трьох списків виводяться в тому порядку, в якому їх додавали</a:t>
-            </a:r>
-          </a:p>
-          <a:p>
-            <a:r>
-              <a:rPr lang="ru-RU" sz="1800">
-                <a:latin typeface=""/>
-              </a:rPr>
-              <a:t>користувач може видалити елементи списку, натискаючи на іконку, що знаходиться праворуч</a:t>
-            </a:r>
-          </a:p>
-          <a:p>
-            <a:r>
-              <a:rPr lang="ru-RU" sz="1800">
-                <a:latin typeface=""/>
-              </a:rPr>
-              <a:t>коли користувач натискає на кнопку "SEND", потрібно вивести вікно (</a:t>
-            </a:r>
-            <a:r>
-              <a:rPr lang="af-ZA" sz="1800">
+              <a:rPr lang="ru-RU" dirty="0" err="1">
+                <a:latin typeface=""/>
+              </a:rPr>
+              <a:t>Функціональність</a:t>
+            </a:r>
+            <a:r>
+              <a:rPr lang="ru-RU" dirty="0">
+                <a:latin typeface=""/>
+              </a:rPr>
+              <a:t>:</a:t>
+            </a:r>
+          </a:p>
+          <a:p>
+            <a:r>
+              <a:rPr lang="ru-RU" sz="1800" dirty="0" err="1">
+                <a:solidFill>
+                  <a:srgbClr val="FF0000"/>
+                </a:solidFill>
+                <a:latin typeface=""/>
+              </a:rPr>
+              <a:t>користувач</a:t>
+            </a:r>
+            <a:r>
+              <a:rPr lang="ru-RU" sz="1800" dirty="0">
+                <a:solidFill>
+                  <a:srgbClr val="FF0000"/>
+                </a:solidFill>
+                <a:latin typeface=""/>
+              </a:rPr>
+              <a:t> </a:t>
+            </a:r>
+            <a:r>
+              <a:rPr lang="ru-RU" sz="1800" dirty="0" err="1">
+                <a:solidFill>
+                  <a:srgbClr val="FF0000"/>
+                </a:solidFill>
+                <a:latin typeface=""/>
+              </a:rPr>
+              <a:t>може</a:t>
+            </a:r>
+            <a:r>
+              <a:rPr lang="ru-RU" sz="1800" dirty="0">
+                <a:solidFill>
+                  <a:srgbClr val="FF0000"/>
+                </a:solidFill>
+                <a:latin typeface=""/>
+              </a:rPr>
+              <a:t> ввести </a:t>
+            </a:r>
+            <a:r>
+              <a:rPr lang="ru-RU" sz="1800" dirty="0" err="1">
+                <a:solidFill>
+                  <a:srgbClr val="FF0000"/>
+                </a:solidFill>
+                <a:latin typeface=""/>
+              </a:rPr>
+              <a:t>своє</a:t>
+            </a:r>
+            <a:r>
+              <a:rPr lang="ru-RU" sz="1800" dirty="0">
+                <a:solidFill>
+                  <a:srgbClr val="FF0000"/>
+                </a:solidFill>
+                <a:latin typeface=""/>
+              </a:rPr>
+              <a:t> </a:t>
+            </a:r>
+            <a:r>
+              <a:rPr lang="ru-RU" sz="1800" dirty="0" err="1">
+                <a:solidFill>
+                  <a:srgbClr val="FF0000"/>
+                </a:solidFill>
+                <a:latin typeface=""/>
+              </a:rPr>
+              <a:t>ім'я</a:t>
+            </a:r>
+            <a:r>
+              <a:rPr lang="ru-RU" sz="1800" dirty="0">
+                <a:solidFill>
+                  <a:srgbClr val="FF0000"/>
+                </a:solidFill>
+                <a:latin typeface=""/>
+              </a:rPr>
+              <a:t>, e-</a:t>
+            </a:r>
+            <a:r>
+              <a:rPr lang="ru-RU" sz="1800" dirty="0" err="1">
+                <a:solidFill>
+                  <a:srgbClr val="FF0000"/>
+                </a:solidFill>
+                <a:latin typeface=""/>
+              </a:rPr>
+              <a:t>mail</a:t>
+            </a:r>
+            <a:r>
+              <a:rPr lang="ru-RU" sz="1800" dirty="0">
+                <a:solidFill>
+                  <a:srgbClr val="FF0000"/>
+                </a:solidFill>
+                <a:latin typeface=""/>
+              </a:rPr>
+              <a:t> та </a:t>
+            </a:r>
+            <a:r>
+              <a:rPr lang="ru-RU" sz="1800" dirty="0" err="1">
+                <a:solidFill>
+                  <a:srgbClr val="FF0000"/>
+                </a:solidFill>
+                <a:latin typeface=""/>
+              </a:rPr>
+              <a:t>повідомлення</a:t>
+            </a:r>
+            <a:endParaRPr lang="ru-RU" sz="1800" dirty="0">
+              <a:solidFill>
+                <a:srgbClr val="FF0000"/>
+              </a:solidFill>
+              <a:latin typeface=""/>
+            </a:endParaRPr>
+          </a:p>
+          <a:p>
+            <a:r>
+              <a:rPr lang="ru-RU" sz="1800" dirty="0" err="1">
+                <a:latin typeface=""/>
+              </a:rPr>
+              <a:t>всі</a:t>
+            </a:r>
+            <a:r>
+              <a:rPr lang="ru-RU" sz="1800" dirty="0">
+                <a:latin typeface=""/>
+              </a:rPr>
+              <a:t> </a:t>
+            </a:r>
+            <a:r>
+              <a:rPr lang="ru-RU" sz="1800" dirty="0" err="1">
+                <a:latin typeface=""/>
+              </a:rPr>
+              <a:t>вибрані</a:t>
+            </a:r>
+            <a:r>
+              <a:rPr lang="ru-RU" sz="1800" dirty="0">
+                <a:latin typeface=""/>
+              </a:rPr>
+              <a:t> </a:t>
+            </a:r>
+            <a:r>
+              <a:rPr lang="ru-RU" sz="1800" dirty="0" err="1">
+                <a:latin typeface=""/>
+              </a:rPr>
+              <a:t>елементи</a:t>
+            </a:r>
+            <a:r>
+              <a:rPr lang="ru-RU" sz="1800" dirty="0">
+                <a:latin typeface=""/>
+              </a:rPr>
+              <a:t> з </a:t>
+            </a:r>
+            <a:r>
+              <a:rPr lang="ru-RU" sz="1800" dirty="0" err="1">
+                <a:latin typeface=""/>
+              </a:rPr>
+              <a:t>трьох</a:t>
+            </a:r>
+            <a:r>
+              <a:rPr lang="ru-RU" sz="1800" dirty="0">
+                <a:latin typeface=""/>
+              </a:rPr>
+              <a:t> </a:t>
+            </a:r>
+            <a:r>
+              <a:rPr lang="ru-RU" sz="1800" dirty="0" err="1">
+                <a:latin typeface=""/>
+              </a:rPr>
+              <a:t>списків</a:t>
+            </a:r>
+            <a:r>
+              <a:rPr lang="ru-RU" sz="1800" dirty="0">
+                <a:latin typeface=""/>
+              </a:rPr>
+              <a:t> </a:t>
+            </a:r>
+            <a:r>
+              <a:rPr lang="ru-RU" sz="1800" dirty="0" err="1">
+                <a:latin typeface=""/>
+              </a:rPr>
+              <a:t>виводяться</a:t>
+            </a:r>
+            <a:r>
+              <a:rPr lang="ru-RU" sz="1800" dirty="0">
+                <a:latin typeface=""/>
+              </a:rPr>
+              <a:t> в тому порядку, в </a:t>
+            </a:r>
+            <a:r>
+              <a:rPr lang="ru-RU" sz="1800" dirty="0" err="1">
+                <a:latin typeface=""/>
+              </a:rPr>
+              <a:t>якому</a:t>
+            </a:r>
+            <a:r>
+              <a:rPr lang="ru-RU" sz="1800" dirty="0">
+                <a:latin typeface=""/>
+              </a:rPr>
+              <a:t> </a:t>
+            </a:r>
+            <a:r>
+              <a:rPr lang="ru-RU" sz="1800" dirty="0" err="1">
+                <a:latin typeface=""/>
+              </a:rPr>
+              <a:t>їх</a:t>
+            </a:r>
+            <a:r>
+              <a:rPr lang="ru-RU" sz="1800" dirty="0">
+                <a:latin typeface=""/>
+              </a:rPr>
+              <a:t> додавали</a:t>
+            </a:r>
+          </a:p>
+          <a:p>
+            <a:r>
+              <a:rPr lang="ru-RU" sz="1800" dirty="0" err="1">
+                <a:latin typeface=""/>
+              </a:rPr>
+              <a:t>користувач</a:t>
+            </a:r>
+            <a:r>
+              <a:rPr lang="ru-RU" sz="1800" dirty="0">
+                <a:latin typeface=""/>
+              </a:rPr>
+              <a:t> </a:t>
+            </a:r>
+            <a:r>
+              <a:rPr lang="ru-RU" sz="1800" dirty="0" err="1">
+                <a:latin typeface=""/>
+              </a:rPr>
+              <a:t>може</a:t>
+            </a:r>
+            <a:r>
+              <a:rPr lang="ru-RU" sz="1800" dirty="0">
+                <a:latin typeface=""/>
+              </a:rPr>
+              <a:t> </a:t>
+            </a:r>
+            <a:r>
+              <a:rPr lang="ru-RU" sz="1800" dirty="0" err="1">
+                <a:latin typeface=""/>
+              </a:rPr>
+              <a:t>видалити</a:t>
+            </a:r>
+            <a:r>
+              <a:rPr lang="ru-RU" sz="1800" dirty="0">
+                <a:latin typeface=""/>
+              </a:rPr>
+              <a:t> </a:t>
+            </a:r>
+            <a:r>
+              <a:rPr lang="ru-RU" sz="1800" dirty="0" err="1">
+                <a:latin typeface=""/>
+              </a:rPr>
+              <a:t>елементи</a:t>
+            </a:r>
+            <a:r>
+              <a:rPr lang="ru-RU" sz="1800" dirty="0">
+                <a:latin typeface=""/>
+              </a:rPr>
+              <a:t> списку, </a:t>
+            </a:r>
+            <a:r>
+              <a:rPr lang="ru-RU" sz="1800" dirty="0" err="1">
+                <a:latin typeface=""/>
+              </a:rPr>
+              <a:t>натискаючи</a:t>
+            </a:r>
+            <a:r>
+              <a:rPr lang="ru-RU" sz="1800" dirty="0">
+                <a:latin typeface=""/>
+              </a:rPr>
+              <a:t> на </a:t>
+            </a:r>
+            <a:r>
+              <a:rPr lang="ru-RU" sz="1800" dirty="0" err="1">
+                <a:latin typeface=""/>
+              </a:rPr>
+              <a:t>іконку</a:t>
+            </a:r>
+            <a:r>
+              <a:rPr lang="ru-RU" sz="1800" dirty="0">
+                <a:latin typeface=""/>
+              </a:rPr>
+              <a:t>, </a:t>
+            </a:r>
+            <a:r>
+              <a:rPr lang="ru-RU" sz="1800" dirty="0" err="1">
+                <a:latin typeface=""/>
+              </a:rPr>
+              <a:t>що</a:t>
+            </a:r>
+            <a:r>
+              <a:rPr lang="ru-RU" sz="1800" dirty="0">
+                <a:latin typeface=""/>
+              </a:rPr>
+              <a:t> </a:t>
+            </a:r>
+            <a:r>
+              <a:rPr lang="ru-RU" sz="1800" dirty="0" err="1">
+                <a:latin typeface=""/>
+              </a:rPr>
+              <a:t>знаходиться</a:t>
+            </a:r>
+            <a:r>
+              <a:rPr lang="ru-RU" sz="1800" dirty="0">
+                <a:latin typeface=""/>
+              </a:rPr>
+              <a:t> </a:t>
+            </a:r>
+            <a:r>
+              <a:rPr lang="ru-RU" sz="1800" dirty="0" err="1">
+                <a:latin typeface=""/>
+              </a:rPr>
+              <a:t>праворуч</a:t>
+            </a:r>
+            <a:endParaRPr lang="ru-RU" sz="1800" dirty="0">
+              <a:latin typeface=""/>
+            </a:endParaRPr>
+          </a:p>
+          <a:p>
+            <a:r>
+              <a:rPr lang="ru-RU" sz="1800" dirty="0">
+                <a:solidFill>
+                  <a:srgbClr val="FF0000"/>
+                </a:solidFill>
+                <a:latin typeface=""/>
+              </a:rPr>
+              <a:t>коли </a:t>
+            </a:r>
+            <a:r>
+              <a:rPr lang="ru-RU" sz="1800" dirty="0" err="1">
+                <a:solidFill>
+                  <a:srgbClr val="FF0000"/>
+                </a:solidFill>
+                <a:latin typeface=""/>
+              </a:rPr>
+              <a:t>користувач</a:t>
+            </a:r>
+            <a:r>
+              <a:rPr lang="ru-RU" sz="1800" dirty="0">
+                <a:solidFill>
+                  <a:srgbClr val="FF0000"/>
+                </a:solidFill>
+                <a:latin typeface=""/>
+              </a:rPr>
+              <a:t> </a:t>
+            </a:r>
+            <a:r>
+              <a:rPr lang="ru-RU" sz="1800" dirty="0" err="1">
+                <a:solidFill>
+                  <a:srgbClr val="FF0000"/>
+                </a:solidFill>
+                <a:latin typeface=""/>
+              </a:rPr>
+              <a:t>натискає</a:t>
+            </a:r>
+            <a:r>
+              <a:rPr lang="ru-RU" sz="1800" dirty="0">
+                <a:solidFill>
+                  <a:srgbClr val="FF0000"/>
+                </a:solidFill>
+                <a:latin typeface=""/>
+              </a:rPr>
+              <a:t> на кнопку "SEND", </a:t>
+            </a:r>
+            <a:r>
+              <a:rPr lang="ru-RU" sz="1800" dirty="0" err="1">
+                <a:solidFill>
+                  <a:srgbClr val="FF0000"/>
+                </a:solidFill>
+                <a:latin typeface=""/>
+              </a:rPr>
+              <a:t>потрібно</a:t>
+            </a:r>
+            <a:r>
+              <a:rPr lang="ru-RU" sz="1800" dirty="0">
+                <a:solidFill>
+                  <a:srgbClr val="FF0000"/>
+                </a:solidFill>
+                <a:latin typeface=""/>
+              </a:rPr>
+              <a:t> </a:t>
+            </a:r>
+            <a:r>
+              <a:rPr lang="ru-RU" sz="1800" dirty="0" err="1">
+                <a:solidFill>
+                  <a:srgbClr val="FF0000"/>
+                </a:solidFill>
+                <a:latin typeface=""/>
+              </a:rPr>
+              <a:t>вивести</a:t>
+            </a:r>
+            <a:r>
+              <a:rPr lang="ru-RU" sz="1800" dirty="0">
+                <a:solidFill>
+                  <a:srgbClr val="FF0000"/>
+                </a:solidFill>
+                <a:latin typeface=""/>
+              </a:rPr>
+              <a:t> </a:t>
+            </a:r>
+            <a:r>
+              <a:rPr lang="ru-RU" sz="1800" dirty="0" err="1">
+                <a:solidFill>
+                  <a:srgbClr val="FF0000"/>
+                </a:solidFill>
+                <a:latin typeface=""/>
+              </a:rPr>
+              <a:t>вікно</a:t>
+            </a:r>
+            <a:r>
+              <a:rPr lang="ru-RU" sz="1800" dirty="0">
+                <a:solidFill>
+                  <a:srgbClr val="FF0000"/>
+                </a:solidFill>
+                <a:latin typeface=""/>
+              </a:rPr>
+              <a:t> (</a:t>
+            </a:r>
+            <a:r>
+              <a:rPr lang="af-ZA" sz="1800" dirty="0">
+                <a:solidFill>
+                  <a:srgbClr val="FF0000"/>
+                </a:solidFill>
                 <a:latin typeface=""/>
               </a:rPr>
               <a:t>alert) </a:t>
             </a:r>
             <a:r>
-              <a:rPr lang="ru-RU" sz="1800">
-                <a:latin typeface=""/>
-              </a:rPr>
-              <a:t>з всією інформацією від користувача, та очистити форму</a:t>
+              <a:rPr lang="ru-RU" sz="1800" dirty="0">
+                <a:solidFill>
+                  <a:srgbClr val="FF0000"/>
+                </a:solidFill>
+                <a:latin typeface=""/>
+              </a:rPr>
+              <a:t>з </a:t>
+            </a:r>
+            <a:r>
+              <a:rPr lang="ru-RU" sz="1800" dirty="0" err="1">
+                <a:solidFill>
+                  <a:srgbClr val="FF0000"/>
+                </a:solidFill>
+                <a:latin typeface=""/>
+              </a:rPr>
+              <a:t>всією</a:t>
+            </a:r>
+            <a:r>
+              <a:rPr lang="ru-RU" sz="1800" dirty="0">
+                <a:solidFill>
+                  <a:srgbClr val="FF0000"/>
+                </a:solidFill>
+                <a:latin typeface=""/>
+              </a:rPr>
+              <a:t> </a:t>
+            </a:r>
+            <a:r>
+              <a:rPr lang="ru-RU" sz="1800" dirty="0" err="1">
+                <a:solidFill>
+                  <a:srgbClr val="FF0000"/>
+                </a:solidFill>
+                <a:latin typeface=""/>
+              </a:rPr>
+              <a:t>інформацією</a:t>
+            </a:r>
+            <a:r>
+              <a:rPr lang="ru-RU" sz="1800" dirty="0">
+                <a:solidFill>
+                  <a:srgbClr val="FF0000"/>
+                </a:solidFill>
+                <a:latin typeface=""/>
+              </a:rPr>
+              <a:t> </a:t>
+            </a:r>
+            <a:r>
+              <a:rPr lang="ru-RU" sz="1800" dirty="0" err="1">
+                <a:solidFill>
+                  <a:srgbClr val="FF0000"/>
+                </a:solidFill>
+                <a:latin typeface=""/>
+              </a:rPr>
+              <a:t>від</a:t>
+            </a:r>
+            <a:r>
+              <a:rPr lang="ru-RU" sz="1800" dirty="0">
+                <a:solidFill>
+                  <a:srgbClr val="FF0000"/>
+                </a:solidFill>
+                <a:latin typeface=""/>
+              </a:rPr>
+              <a:t> </a:t>
+            </a:r>
+            <a:r>
+              <a:rPr lang="ru-RU" sz="1800" dirty="0" err="1">
+                <a:solidFill>
+                  <a:srgbClr val="FF0000"/>
+                </a:solidFill>
+                <a:latin typeface=""/>
+              </a:rPr>
+              <a:t>користувача</a:t>
+            </a:r>
+            <a:r>
+              <a:rPr lang="ru-RU" sz="1800" dirty="0">
+                <a:solidFill>
+                  <a:srgbClr val="FF0000"/>
+                </a:solidFill>
+                <a:latin typeface=""/>
+              </a:rPr>
+              <a:t>, та </a:t>
+            </a:r>
+            <a:r>
+              <a:rPr lang="ru-RU" sz="1800" dirty="0" err="1">
+                <a:solidFill>
+                  <a:srgbClr val="FF0000"/>
+                </a:solidFill>
+                <a:latin typeface=""/>
+              </a:rPr>
+              <a:t>очистити</a:t>
+            </a:r>
+            <a:r>
+              <a:rPr lang="ru-RU" sz="1800" dirty="0">
+                <a:solidFill>
+                  <a:srgbClr val="FF0000"/>
+                </a:solidFill>
+                <a:latin typeface=""/>
+              </a:rPr>
+              <a:t> форму</a:t>
             </a:r>
           </a:p>
         </p:txBody>
